--- a/00_python_projects/01_numpy/00_numpy_complete_notes.pptx
+++ b/00_python_projects/01_numpy/00_numpy_complete_notes.pptx
@@ -6,17 +6,22 @@
   </p:sldMasterIdLst>
   <p:sldIdLst>
     <p:sldId id="256" r:id="rId2"/>
-    <p:sldId id="257" r:id="rId3"/>
-    <p:sldId id="260" r:id="rId4"/>
-    <p:sldId id="261" r:id="rId5"/>
-    <p:sldId id="258" r:id="rId6"/>
-    <p:sldId id="259" r:id="rId7"/>
-    <p:sldId id="262" r:id="rId8"/>
-    <p:sldId id="263" r:id="rId9"/>
-    <p:sldId id="264" r:id="rId10"/>
-    <p:sldId id="265" r:id="rId11"/>
-    <p:sldId id="266" r:id="rId12"/>
-    <p:sldId id="267" r:id="rId13"/>
+    <p:sldId id="270" r:id="rId3"/>
+    <p:sldId id="257" r:id="rId4"/>
+    <p:sldId id="260" r:id="rId5"/>
+    <p:sldId id="268" r:id="rId6"/>
+    <p:sldId id="261" r:id="rId7"/>
+    <p:sldId id="258" r:id="rId8"/>
+    <p:sldId id="259" r:id="rId9"/>
+    <p:sldId id="262" r:id="rId10"/>
+    <p:sldId id="271" r:id="rId11"/>
+    <p:sldId id="272" r:id="rId12"/>
+    <p:sldId id="269" r:id="rId13"/>
+    <p:sldId id="263" r:id="rId14"/>
+    <p:sldId id="264" r:id="rId15"/>
+    <p:sldId id="265" r:id="rId16"/>
+    <p:sldId id="266" r:id="rId17"/>
+    <p:sldId id="267" r:id="rId18"/>
   </p:sldIdLst>
   <p:sldSz cx="9144000" cy="6858000" type="screen4x3"/>
   <p:notesSz cx="6858000" cy="9144000"/>
@@ -3086,7 +3091,7 @@
           <a:lstStyle/>
           <a:p>
             <a:r>
-              <a:rPr lang="en-IN" dirty="0" err="1" smtClean="0"/>
+              <a:rPr lang="en-IN" dirty="0" smtClean="0"/>
               <a:t>Numpy</a:t>
             </a:r>
             <a:r>
@@ -3167,10 +3172,20 @@
         </p:nvSpPr>
         <p:spPr/>
         <p:txBody>
-          <a:bodyPr/>
-          <a:lstStyle/>
-          <a:p>
-            <a:endParaRPr lang="en-US"/>
+          <a:bodyPr>
+            <a:normAutofit/>
+          </a:bodyPr>
+          <a:lstStyle/>
+          <a:p>
+            <a:r>
+              <a:rPr lang="en-US" dirty="0" smtClean="0"/>
+              <a:t>Creating </a:t>
+            </a:r>
+            <a:r>
+              <a:rPr lang="en-US" dirty="0" smtClean="0"/>
+              <a:t>Arrays</a:t>
+            </a:r>
+            <a:endParaRPr lang="en-US" dirty="0"/>
           </a:p>
         </p:txBody>
       </p:sp>
@@ -3189,10 +3204,132 @@
           <a:bodyPr/>
           <a:lstStyle/>
           <a:p>
-            <a:endParaRPr lang="en-US"/>
-          </a:p>
-        </p:txBody>
-      </p:sp>
+            <a:pPr marL="514350" indent="-514350">
+              <a:buAutoNum type="arabicPeriod"/>
+            </a:pPr>
+            <a:r>
+              <a:rPr lang="en-US" b="1" dirty="0" smtClean="0"/>
+              <a:t>Create </a:t>
+            </a:r>
+            <a:r>
+              <a:rPr lang="en-US" b="1" dirty="0" smtClean="0"/>
+              <a:t>1D </a:t>
+            </a:r>
+            <a:r>
+              <a:rPr lang="en-US" b="1" dirty="0" smtClean="0"/>
+              <a:t>Array</a:t>
+            </a:r>
+          </a:p>
+          <a:p>
+            <a:pPr marL="514350" indent="-514350">
+              <a:buNone/>
+            </a:pPr>
+            <a:endParaRPr lang="en-US" b="1" dirty="0" smtClean="0"/>
+          </a:p>
+          <a:p>
+            <a:endParaRPr lang="en-US" dirty="0"/>
+          </a:p>
+        </p:txBody>
+      </p:sp>
+      <p:pic>
+        <p:nvPicPr>
+          <p:cNvPr id="5125" name="Picture 5"/>
+          <p:cNvPicPr>
+            <a:picLocks noChangeAspect="1" noChangeArrowheads="1"/>
+          </p:cNvPicPr>
+          <p:nvPr/>
+        </p:nvPicPr>
+        <p:blipFill>
+          <a:blip r:embed="rId2"/>
+          <a:srcRect/>
+          <a:stretch>
+            <a:fillRect/>
+          </a:stretch>
+        </p:blipFill>
+        <p:spPr bwMode="auto">
+          <a:xfrm>
+            <a:off x="609600" y="2286000"/>
+            <a:ext cx="4532624" cy="2133600"/>
+          </a:xfrm>
+          <a:prstGeom prst="rect">
+            <a:avLst/>
+          </a:prstGeom>
+          <a:noFill/>
+          <a:ln w="9525">
+            <a:noFill/>
+            <a:miter lim="800000"/>
+            <a:headEnd/>
+            <a:tailEnd/>
+          </a:ln>
+          <a:effectLst/>
+        </p:spPr>
+      </p:pic>
+      <p:pic>
+        <p:nvPicPr>
+          <p:cNvPr id="5128" name="Picture 8"/>
+          <p:cNvPicPr>
+            <a:picLocks noChangeAspect="1" noChangeArrowheads="1"/>
+          </p:cNvPicPr>
+          <p:nvPr/>
+        </p:nvPicPr>
+        <p:blipFill>
+          <a:blip r:embed="rId3"/>
+          <a:srcRect/>
+          <a:stretch>
+            <a:fillRect/>
+          </a:stretch>
+        </p:blipFill>
+        <p:spPr bwMode="auto">
+          <a:xfrm>
+            <a:off x="5219700" y="1219200"/>
+            <a:ext cx="3924300" cy="2867025"/>
+          </a:xfrm>
+          <a:prstGeom prst="rect">
+            <a:avLst/>
+          </a:prstGeom>
+          <a:noFill/>
+          <a:ln w="9525">
+            <a:noFill/>
+            <a:miter lim="800000"/>
+            <a:headEnd/>
+            <a:tailEnd/>
+          </a:ln>
+          <a:effectLst/>
+        </p:spPr>
+      </p:pic>
+      <p:pic>
+        <p:nvPicPr>
+          <p:cNvPr id="5129" name="Picture 9"/>
+          <p:cNvPicPr>
+            <a:picLocks noChangeAspect="1" noChangeArrowheads="1"/>
+          </p:cNvPicPr>
+          <p:nvPr/>
+        </p:nvPicPr>
+        <p:blipFill>
+          <a:blip r:embed="rId4"/>
+          <a:srcRect/>
+          <a:stretch>
+            <a:fillRect/>
+          </a:stretch>
+        </p:blipFill>
+        <p:spPr bwMode="auto">
+          <a:xfrm>
+            <a:off x="4267200" y="4124325"/>
+            <a:ext cx="4257675" cy="2733675"/>
+          </a:xfrm>
+          <a:prstGeom prst="rect">
+            <a:avLst/>
+          </a:prstGeom>
+          <a:noFill/>
+          <a:ln w="9525">
+            <a:noFill/>
+            <a:miter lim="800000"/>
+            <a:headEnd/>
+            <a:tailEnd/>
+          </a:ln>
+          <a:effectLst/>
+        </p:spPr>
+      </p:pic>
     </p:spTree>
   </p:cSld>
   <p:clrMapOvr>
@@ -3327,6 +3464,321 @@
 </p:sld>
 </file>
 
+<file path=ppt/slides/slide13.xml><?xml version="1.0" encoding="utf-8"?>
+<p:sld xmlns:a="http://schemas.openxmlformats.org/drawingml/2006/main" xmlns:r="http://schemas.openxmlformats.org/officeDocument/2006/relationships" xmlns:p="http://schemas.openxmlformats.org/presentationml/2006/main">
+  <p:cSld>
+    <p:spTree>
+      <p:nvGrpSpPr>
+        <p:cNvPr id="1" name=""/>
+        <p:cNvGrpSpPr/>
+        <p:nvPr/>
+      </p:nvGrpSpPr>
+      <p:grpSpPr>
+        <a:xfrm>
+          <a:off x="0" y="0"/>
+          <a:ext cx="0" cy="0"/>
+          <a:chOff x="0" y="0"/>
+          <a:chExt cx="0" cy="0"/>
+        </a:xfrm>
+      </p:grpSpPr>
+      <p:sp>
+        <p:nvSpPr>
+          <p:cNvPr id="2" name="Title 1"/>
+          <p:cNvSpPr>
+            <a:spLocks noGrp="1"/>
+          </p:cNvSpPr>
+          <p:nvPr>
+            <p:ph type="title"/>
+          </p:nvPr>
+        </p:nvSpPr>
+        <p:spPr/>
+        <p:txBody>
+          <a:bodyPr/>
+          <a:lstStyle/>
+          <a:p>
+            <a:endParaRPr lang="en-US"/>
+          </a:p>
+        </p:txBody>
+      </p:sp>
+      <p:sp>
+        <p:nvSpPr>
+          <p:cNvPr id="3" name="Content Placeholder 2"/>
+          <p:cNvSpPr>
+            <a:spLocks noGrp="1"/>
+          </p:cNvSpPr>
+          <p:nvPr>
+            <p:ph idx="1"/>
+          </p:nvPr>
+        </p:nvSpPr>
+        <p:spPr/>
+        <p:txBody>
+          <a:bodyPr/>
+          <a:lstStyle/>
+          <a:p>
+            <a:endParaRPr lang="en-US"/>
+          </a:p>
+        </p:txBody>
+      </p:sp>
+    </p:spTree>
+  </p:cSld>
+  <p:clrMapOvr>
+    <a:masterClrMapping/>
+  </p:clrMapOvr>
+</p:sld>
+</file>
+
+<file path=ppt/slides/slide14.xml><?xml version="1.0" encoding="utf-8"?>
+<p:sld xmlns:a="http://schemas.openxmlformats.org/drawingml/2006/main" xmlns:r="http://schemas.openxmlformats.org/officeDocument/2006/relationships" xmlns:p="http://schemas.openxmlformats.org/presentationml/2006/main">
+  <p:cSld>
+    <p:spTree>
+      <p:nvGrpSpPr>
+        <p:cNvPr id="1" name=""/>
+        <p:cNvGrpSpPr/>
+        <p:nvPr/>
+      </p:nvGrpSpPr>
+      <p:grpSpPr>
+        <a:xfrm>
+          <a:off x="0" y="0"/>
+          <a:ext cx="0" cy="0"/>
+          <a:chOff x="0" y="0"/>
+          <a:chExt cx="0" cy="0"/>
+        </a:xfrm>
+      </p:grpSpPr>
+      <p:sp>
+        <p:nvSpPr>
+          <p:cNvPr id="2" name="Title 1"/>
+          <p:cNvSpPr>
+            <a:spLocks noGrp="1"/>
+          </p:cNvSpPr>
+          <p:nvPr>
+            <p:ph type="title"/>
+          </p:nvPr>
+        </p:nvSpPr>
+        <p:spPr/>
+        <p:txBody>
+          <a:bodyPr/>
+          <a:lstStyle/>
+          <a:p>
+            <a:endParaRPr lang="en-US"/>
+          </a:p>
+        </p:txBody>
+      </p:sp>
+      <p:sp>
+        <p:nvSpPr>
+          <p:cNvPr id="3" name="Content Placeholder 2"/>
+          <p:cNvSpPr>
+            <a:spLocks noGrp="1"/>
+          </p:cNvSpPr>
+          <p:nvPr>
+            <p:ph idx="1"/>
+          </p:nvPr>
+        </p:nvSpPr>
+        <p:spPr/>
+        <p:txBody>
+          <a:bodyPr/>
+          <a:lstStyle/>
+          <a:p>
+            <a:endParaRPr lang="en-US"/>
+          </a:p>
+        </p:txBody>
+      </p:sp>
+    </p:spTree>
+  </p:cSld>
+  <p:clrMapOvr>
+    <a:masterClrMapping/>
+  </p:clrMapOvr>
+</p:sld>
+</file>
+
+<file path=ppt/slides/slide15.xml><?xml version="1.0" encoding="utf-8"?>
+<p:sld xmlns:a="http://schemas.openxmlformats.org/drawingml/2006/main" xmlns:r="http://schemas.openxmlformats.org/officeDocument/2006/relationships" xmlns:p="http://schemas.openxmlformats.org/presentationml/2006/main">
+  <p:cSld>
+    <p:spTree>
+      <p:nvGrpSpPr>
+        <p:cNvPr id="1" name=""/>
+        <p:cNvGrpSpPr/>
+        <p:nvPr/>
+      </p:nvGrpSpPr>
+      <p:grpSpPr>
+        <a:xfrm>
+          <a:off x="0" y="0"/>
+          <a:ext cx="0" cy="0"/>
+          <a:chOff x="0" y="0"/>
+          <a:chExt cx="0" cy="0"/>
+        </a:xfrm>
+      </p:grpSpPr>
+      <p:sp>
+        <p:nvSpPr>
+          <p:cNvPr id="2" name="Title 1"/>
+          <p:cNvSpPr>
+            <a:spLocks noGrp="1"/>
+          </p:cNvSpPr>
+          <p:nvPr>
+            <p:ph type="title"/>
+          </p:nvPr>
+        </p:nvSpPr>
+        <p:spPr/>
+        <p:txBody>
+          <a:bodyPr/>
+          <a:lstStyle/>
+          <a:p>
+            <a:endParaRPr lang="en-US"/>
+          </a:p>
+        </p:txBody>
+      </p:sp>
+      <p:sp>
+        <p:nvSpPr>
+          <p:cNvPr id="3" name="Content Placeholder 2"/>
+          <p:cNvSpPr>
+            <a:spLocks noGrp="1"/>
+          </p:cNvSpPr>
+          <p:nvPr>
+            <p:ph idx="1"/>
+          </p:nvPr>
+        </p:nvSpPr>
+        <p:spPr/>
+        <p:txBody>
+          <a:bodyPr/>
+          <a:lstStyle/>
+          <a:p>
+            <a:endParaRPr lang="en-US"/>
+          </a:p>
+        </p:txBody>
+      </p:sp>
+    </p:spTree>
+  </p:cSld>
+  <p:clrMapOvr>
+    <a:masterClrMapping/>
+  </p:clrMapOvr>
+</p:sld>
+</file>
+
+<file path=ppt/slides/slide16.xml><?xml version="1.0" encoding="utf-8"?>
+<p:sld xmlns:a="http://schemas.openxmlformats.org/drawingml/2006/main" xmlns:r="http://schemas.openxmlformats.org/officeDocument/2006/relationships" xmlns:p="http://schemas.openxmlformats.org/presentationml/2006/main">
+  <p:cSld>
+    <p:spTree>
+      <p:nvGrpSpPr>
+        <p:cNvPr id="1" name=""/>
+        <p:cNvGrpSpPr/>
+        <p:nvPr/>
+      </p:nvGrpSpPr>
+      <p:grpSpPr>
+        <a:xfrm>
+          <a:off x="0" y="0"/>
+          <a:ext cx="0" cy="0"/>
+          <a:chOff x="0" y="0"/>
+          <a:chExt cx="0" cy="0"/>
+        </a:xfrm>
+      </p:grpSpPr>
+      <p:sp>
+        <p:nvSpPr>
+          <p:cNvPr id="2" name="Title 1"/>
+          <p:cNvSpPr>
+            <a:spLocks noGrp="1"/>
+          </p:cNvSpPr>
+          <p:nvPr>
+            <p:ph type="title"/>
+          </p:nvPr>
+        </p:nvSpPr>
+        <p:spPr/>
+        <p:txBody>
+          <a:bodyPr/>
+          <a:lstStyle/>
+          <a:p>
+            <a:endParaRPr lang="en-US"/>
+          </a:p>
+        </p:txBody>
+      </p:sp>
+      <p:sp>
+        <p:nvSpPr>
+          <p:cNvPr id="3" name="Content Placeholder 2"/>
+          <p:cNvSpPr>
+            <a:spLocks noGrp="1"/>
+          </p:cNvSpPr>
+          <p:nvPr>
+            <p:ph idx="1"/>
+          </p:nvPr>
+        </p:nvSpPr>
+        <p:spPr/>
+        <p:txBody>
+          <a:bodyPr/>
+          <a:lstStyle/>
+          <a:p>
+            <a:endParaRPr lang="en-US"/>
+          </a:p>
+        </p:txBody>
+      </p:sp>
+    </p:spTree>
+  </p:cSld>
+  <p:clrMapOvr>
+    <a:masterClrMapping/>
+  </p:clrMapOvr>
+</p:sld>
+</file>
+
+<file path=ppt/slides/slide17.xml><?xml version="1.0" encoding="utf-8"?>
+<p:sld xmlns:a="http://schemas.openxmlformats.org/drawingml/2006/main" xmlns:r="http://schemas.openxmlformats.org/officeDocument/2006/relationships" xmlns:p="http://schemas.openxmlformats.org/presentationml/2006/main">
+  <p:cSld>
+    <p:spTree>
+      <p:nvGrpSpPr>
+        <p:cNvPr id="1" name=""/>
+        <p:cNvGrpSpPr/>
+        <p:nvPr/>
+      </p:nvGrpSpPr>
+      <p:grpSpPr>
+        <a:xfrm>
+          <a:off x="0" y="0"/>
+          <a:ext cx="0" cy="0"/>
+          <a:chOff x="0" y="0"/>
+          <a:chExt cx="0" cy="0"/>
+        </a:xfrm>
+      </p:grpSpPr>
+      <p:sp>
+        <p:nvSpPr>
+          <p:cNvPr id="2" name="Title 1"/>
+          <p:cNvSpPr>
+            <a:spLocks noGrp="1"/>
+          </p:cNvSpPr>
+          <p:nvPr>
+            <p:ph type="title"/>
+          </p:nvPr>
+        </p:nvSpPr>
+        <p:spPr/>
+        <p:txBody>
+          <a:bodyPr/>
+          <a:lstStyle/>
+          <a:p>
+            <a:endParaRPr lang="en-US"/>
+          </a:p>
+        </p:txBody>
+      </p:sp>
+      <p:sp>
+        <p:nvSpPr>
+          <p:cNvPr id="3" name="Content Placeholder 2"/>
+          <p:cNvSpPr>
+            <a:spLocks noGrp="1"/>
+          </p:cNvSpPr>
+          <p:nvPr>
+            <p:ph idx="1"/>
+          </p:nvPr>
+        </p:nvSpPr>
+        <p:spPr/>
+        <p:txBody>
+          <a:bodyPr/>
+          <a:lstStyle/>
+          <a:p>
+            <a:endParaRPr lang="en-US"/>
+          </a:p>
+        </p:txBody>
+      </p:sp>
+    </p:spTree>
+  </p:cSld>
+  <p:clrMapOvr>
+    <a:masterClrMapping/>
+  </p:clrMapOvr>
+</p:sld>
+</file>
+
 <file path=ppt/slides/slide2.xml><?xml version="1.0" encoding="utf-8"?>
 <p:sld xmlns:a="http://schemas.openxmlformats.org/drawingml/2006/main" xmlns:r="http://schemas.openxmlformats.org/officeDocument/2006/relationships" xmlns:p="http://schemas.openxmlformats.org/presentationml/2006/main">
   <p:cSld>
@@ -3346,32 +3798,22 @@
       </p:grpSpPr>
       <p:sp>
         <p:nvSpPr>
-          <p:cNvPr id="2" name="Title 1"/>
-          <p:cNvSpPr>
-            <a:spLocks noGrp="1"/>
-          </p:cNvSpPr>
-          <p:nvPr>
-            <p:ph type="title"/>
-          </p:nvPr>
-        </p:nvSpPr>
-        <p:spPr/>
-        <p:txBody>
-          <a:bodyPr>
-            <a:normAutofit/>
-          </a:bodyPr>
-          <a:lstStyle/>
-          <a:p>
-            <a:r>
-              <a:rPr lang="en-US" b="1" dirty="0" smtClean="0"/>
-              <a:t>What is </a:t>
-            </a:r>
-            <a:r>
-              <a:rPr lang="en-US" b="1" dirty="0" err="1" smtClean="0"/>
-              <a:t>NumPy</a:t>
-            </a:r>
-            <a:r>
-              <a:rPr lang="en-US" b="1" dirty="0" smtClean="0"/>
-              <a:t>?</a:t>
+          <p:cNvPr id="4" name="Title 3"/>
+          <p:cNvSpPr>
+            <a:spLocks noGrp="1"/>
+          </p:cNvSpPr>
+          <p:nvPr>
+            <p:ph type="ctrTitle"/>
+          </p:nvPr>
+        </p:nvSpPr>
+        <p:spPr/>
+        <p:txBody>
+          <a:bodyPr/>
+          <a:lstStyle/>
+          <a:p>
+            <a:r>
+              <a:rPr lang="en-IN" dirty="0" smtClean="0"/>
+              <a:t>Chapter 01</a:t>
             </a:r>
             <a:endParaRPr lang="en-US" dirty="0"/>
           </a:p>
@@ -3379,128 +3821,23 @@
       </p:sp>
       <p:sp>
         <p:nvSpPr>
-          <p:cNvPr id="3" name="Content Placeholder 2"/>
-          <p:cNvSpPr>
-            <a:spLocks noGrp="1"/>
-          </p:cNvSpPr>
-          <p:nvPr>
-            <p:ph idx="1"/>
-          </p:nvPr>
-        </p:nvSpPr>
-        <p:spPr/>
-        <p:txBody>
-          <a:bodyPr>
-            <a:normAutofit fontScale="85000" lnSpcReduction="10000"/>
-          </a:bodyPr>
-          <a:lstStyle/>
-          <a:p>
-            <a:r>
-              <a:rPr lang="en-US" b="1" dirty="0" err="1" smtClean="0"/>
-              <a:t>NumPy</a:t>
-            </a:r>
-            <a:r>
-              <a:rPr lang="en-US" b="1" dirty="0" smtClean="0"/>
-              <a:t> </a:t>
-            </a:r>
-            <a:r>
-              <a:rPr lang="en-US" b="1" dirty="0" smtClean="0"/>
-              <a:t>(Numerical Python)</a:t>
-            </a:r>
-            <a:r>
-              <a:rPr lang="en-US" dirty="0" smtClean="0"/>
-              <a:t> is a Python library used for </a:t>
-            </a:r>
-            <a:r>
-              <a:rPr lang="en-US" b="1" dirty="0" smtClean="0"/>
-              <a:t>fast mathematical &amp; scientific computing</a:t>
-            </a:r>
-            <a:r>
-              <a:rPr lang="en-US" dirty="0" smtClean="0"/>
-              <a:t>.</a:t>
-            </a:r>
-            <a:br>
-              <a:rPr lang="en-US" dirty="0" smtClean="0"/>
-            </a:br>
-            <a:r>
-              <a:rPr lang="en-US" dirty="0" smtClean="0"/>
-              <a:t>It provides a powerful object called the </a:t>
-            </a:r>
-            <a:r>
-              <a:rPr lang="en-US" b="1" dirty="0" err="1" smtClean="0"/>
-              <a:t>ndarray</a:t>
-            </a:r>
-            <a:r>
-              <a:rPr lang="en-US" dirty="0" smtClean="0"/>
-              <a:t> (N-Dimensional Array).</a:t>
-            </a:r>
-          </a:p>
-          <a:p>
-            <a:pPr>
-              <a:buNone/>
-            </a:pPr>
-            <a:r>
-              <a:rPr lang="en-US" b="1" dirty="0" smtClean="0"/>
-              <a:t>Why </a:t>
-            </a:r>
-            <a:r>
-              <a:rPr lang="en-US" b="1" dirty="0" err="1" smtClean="0"/>
-              <a:t>NumPy</a:t>
-            </a:r>
-            <a:r>
-              <a:rPr lang="en-US" b="1" dirty="0" smtClean="0"/>
-              <a:t>?</a:t>
-            </a:r>
-          </a:p>
-          <a:p>
-            <a:r>
-              <a:rPr lang="en-US" dirty="0" smtClean="0"/>
-              <a:t>Very fast (up to </a:t>
-            </a:r>
-            <a:r>
-              <a:rPr lang="en-US" b="1" dirty="0" smtClean="0"/>
-              <a:t>100x </a:t>
-            </a:r>
-            <a:r>
-              <a:rPr lang="en-US" b="1" dirty="0" smtClean="0"/>
-              <a:t>faster</a:t>
-            </a:r>
-            <a:r>
-              <a:rPr lang="en-US" dirty="0" smtClean="0"/>
-              <a:t> than Python lists)</a:t>
-            </a:r>
-          </a:p>
-          <a:p>
-            <a:r>
-              <a:rPr lang="en-US" dirty="0" smtClean="0"/>
-              <a:t>Handles large numerical data easily</a:t>
-            </a:r>
-          </a:p>
-          <a:p>
-            <a:r>
-              <a:rPr lang="en-US" dirty="0" smtClean="0"/>
-              <a:t>Supports </a:t>
-            </a:r>
-            <a:r>
-              <a:rPr lang="en-US" dirty="0" err="1" smtClean="0"/>
-              <a:t>vectorized</a:t>
-            </a:r>
-            <a:r>
-              <a:rPr lang="en-US" dirty="0" smtClean="0"/>
-              <a:t> operations</a:t>
-            </a:r>
-          </a:p>
-          <a:p>
-            <a:r>
-              <a:rPr lang="en-US" dirty="0" smtClean="0"/>
-              <a:t>Used in </a:t>
-            </a:r>
-            <a:r>
-              <a:rPr lang="en-US" b="1" dirty="0" smtClean="0"/>
-              <a:t>Machine Learning, AI, Data Science, Image Processing, Deep Learning</a:t>
-            </a:r>
-            <a:endParaRPr lang="en-US" dirty="0" smtClean="0"/>
-          </a:p>
-          <a:p>
+          <p:cNvPr id="5" name="Subtitle 4"/>
+          <p:cNvSpPr>
+            <a:spLocks noGrp="1"/>
+          </p:cNvSpPr>
+          <p:nvPr>
+            <p:ph type="subTitle" idx="1"/>
+          </p:nvPr>
+        </p:nvSpPr>
+        <p:spPr/>
+        <p:txBody>
+          <a:bodyPr/>
+          <a:lstStyle/>
+          <a:p>
+            <a:r>
+              <a:rPr lang="en-IN" dirty="0" smtClean="0"/>
+              <a:t>Introduction to numpy</a:t>
+            </a:r>
             <a:endParaRPr lang="en-US" dirty="0"/>
           </a:p>
         </p:txBody>
@@ -3514,6 +3851,192 @@
 </file>
 
 <file path=ppt/slides/slide3.xml><?xml version="1.0" encoding="utf-8"?>
+<p:sld xmlns:a="http://schemas.openxmlformats.org/drawingml/2006/main" xmlns:r="http://schemas.openxmlformats.org/officeDocument/2006/relationships" xmlns:p="http://schemas.openxmlformats.org/presentationml/2006/main">
+  <p:cSld>
+    <p:spTree>
+      <p:nvGrpSpPr>
+        <p:cNvPr id="1" name=""/>
+        <p:cNvGrpSpPr/>
+        <p:nvPr/>
+      </p:nvGrpSpPr>
+      <p:grpSpPr>
+        <a:xfrm>
+          <a:off x="0" y="0"/>
+          <a:ext cx="0" cy="0"/>
+          <a:chOff x="0" y="0"/>
+          <a:chExt cx="0" cy="0"/>
+        </a:xfrm>
+      </p:grpSpPr>
+      <p:sp>
+        <p:nvSpPr>
+          <p:cNvPr id="2" name="Title 1"/>
+          <p:cNvSpPr>
+            <a:spLocks noGrp="1"/>
+          </p:cNvSpPr>
+          <p:nvPr>
+            <p:ph type="title"/>
+          </p:nvPr>
+        </p:nvSpPr>
+        <p:spPr/>
+        <p:txBody>
+          <a:bodyPr>
+            <a:normAutofit/>
+          </a:bodyPr>
+          <a:lstStyle/>
+          <a:p>
+            <a:r>
+              <a:rPr lang="en-US" b="1" dirty="0" smtClean="0"/>
+              <a:t>What is </a:t>
+            </a:r>
+            <a:r>
+              <a:rPr lang="en-US" b="1" dirty="0" err="1" smtClean="0"/>
+              <a:t>NumPy</a:t>
+            </a:r>
+            <a:r>
+              <a:rPr lang="en-US" b="1" dirty="0" smtClean="0"/>
+              <a:t>?</a:t>
+            </a:r>
+            <a:endParaRPr lang="en-US" dirty="0"/>
+          </a:p>
+        </p:txBody>
+      </p:sp>
+      <p:sp>
+        <p:nvSpPr>
+          <p:cNvPr id="3" name="Content Placeholder 2"/>
+          <p:cNvSpPr>
+            <a:spLocks noGrp="1"/>
+          </p:cNvSpPr>
+          <p:nvPr>
+            <p:ph idx="1"/>
+          </p:nvPr>
+        </p:nvSpPr>
+        <p:spPr/>
+        <p:txBody>
+          <a:bodyPr>
+            <a:normAutofit fontScale="85000" lnSpcReduction="10000"/>
+          </a:bodyPr>
+          <a:lstStyle/>
+          <a:p>
+            <a:r>
+              <a:rPr lang="en-US" b="1" dirty="0" err="1" smtClean="0"/>
+              <a:t>NumPy</a:t>
+            </a:r>
+            <a:r>
+              <a:rPr lang="en-US" b="1" dirty="0" smtClean="0"/>
+              <a:t> </a:t>
+            </a:r>
+            <a:r>
+              <a:rPr lang="en-US" b="1" dirty="0" smtClean="0"/>
+              <a:t>(Numerical Python)</a:t>
+            </a:r>
+            <a:r>
+              <a:rPr lang="en-US" dirty="0" smtClean="0"/>
+              <a:t> is a Python library used for </a:t>
+            </a:r>
+            <a:r>
+              <a:rPr lang="en-US" b="1" dirty="0" smtClean="0"/>
+              <a:t>fast mathematical &amp; scientific computing</a:t>
+            </a:r>
+            <a:r>
+              <a:rPr lang="en-US" dirty="0" smtClean="0"/>
+              <a:t>.</a:t>
+            </a:r>
+            <a:br>
+              <a:rPr lang="en-US" dirty="0" smtClean="0"/>
+            </a:br>
+            <a:r>
+              <a:rPr lang="en-US" dirty="0" smtClean="0"/>
+              <a:t>It provides a powerful object called the </a:t>
+            </a:r>
+            <a:r>
+              <a:rPr lang="en-US" b="1" dirty="0" err="1" smtClean="0"/>
+              <a:t>ndarray</a:t>
+            </a:r>
+            <a:r>
+              <a:rPr lang="en-US" dirty="0" smtClean="0"/>
+              <a:t> (N-Dimensional Array).</a:t>
+            </a:r>
+          </a:p>
+          <a:p>
+            <a:pPr>
+              <a:buNone/>
+            </a:pPr>
+            <a:r>
+              <a:rPr lang="en-US" b="1" dirty="0" smtClean="0"/>
+              <a:t>Why </a:t>
+            </a:r>
+            <a:r>
+              <a:rPr lang="en-US" b="1" dirty="0" err="1" smtClean="0"/>
+              <a:t>NumPy</a:t>
+            </a:r>
+            <a:r>
+              <a:rPr lang="en-US" b="1" dirty="0" smtClean="0"/>
+              <a:t>?</a:t>
+            </a:r>
+          </a:p>
+          <a:p>
+            <a:r>
+              <a:rPr lang="en-US" dirty="0" smtClean="0"/>
+              <a:t>Very fast (up to </a:t>
+            </a:r>
+            <a:r>
+              <a:rPr lang="en-US" b="1" dirty="0" smtClean="0"/>
+              <a:t>100x </a:t>
+            </a:r>
+            <a:r>
+              <a:rPr lang="en-US" b="1" dirty="0" smtClean="0"/>
+              <a:t>faster</a:t>
+            </a:r>
+            <a:r>
+              <a:rPr lang="en-US" dirty="0" smtClean="0"/>
+              <a:t> than Python lists)</a:t>
+            </a:r>
+          </a:p>
+          <a:p>
+            <a:r>
+              <a:rPr lang="en-US" dirty="0" smtClean="0"/>
+              <a:t>Handles large numerical data easily</a:t>
+            </a:r>
+          </a:p>
+          <a:p>
+            <a:r>
+              <a:rPr lang="en-US" dirty="0" smtClean="0"/>
+              <a:t>Supports </a:t>
+            </a:r>
+            <a:r>
+              <a:rPr lang="en-US" dirty="0" err="1" smtClean="0"/>
+              <a:t>vectorized</a:t>
+            </a:r>
+            <a:r>
+              <a:rPr lang="en-US" dirty="0" smtClean="0"/>
+              <a:t> operations</a:t>
+            </a:r>
+          </a:p>
+          <a:p>
+            <a:r>
+              <a:rPr lang="en-US" dirty="0" smtClean="0"/>
+              <a:t>Used in </a:t>
+            </a:r>
+            <a:r>
+              <a:rPr lang="en-US" b="1" dirty="0" smtClean="0"/>
+              <a:t>Machine Learning, AI, Data Science, Image Processing, Deep Learning</a:t>
+            </a:r>
+            <a:endParaRPr lang="en-US" dirty="0" smtClean="0"/>
+          </a:p>
+          <a:p>
+            <a:endParaRPr lang="en-US" dirty="0"/>
+          </a:p>
+        </p:txBody>
+      </p:sp>
+    </p:spTree>
+  </p:cSld>
+  <p:clrMapOvr>
+    <a:masterClrMapping/>
+  </p:clrMapOvr>
+</p:sld>
+</file>
+
+<file path=ppt/slides/slide4.xml><?xml version="1.0" encoding="utf-8"?>
 <p:sld xmlns:a="http://schemas.openxmlformats.org/drawingml/2006/main" xmlns:r="http://schemas.openxmlformats.org/officeDocument/2006/relationships" xmlns:p="http://schemas.openxmlformats.org/presentationml/2006/main">
   <p:cSld>
     <p:spTree>
@@ -3614,197 +4137,6 @@
 </p:sld>
 </file>
 
-<file path=ppt/slides/slide4.xml><?xml version="1.0" encoding="utf-8"?>
-<p:sld xmlns:a="http://schemas.openxmlformats.org/drawingml/2006/main" xmlns:r="http://schemas.openxmlformats.org/officeDocument/2006/relationships" xmlns:p="http://schemas.openxmlformats.org/presentationml/2006/main">
-  <p:cSld>
-    <p:spTree>
-      <p:nvGrpSpPr>
-        <p:cNvPr id="1" name=""/>
-        <p:cNvGrpSpPr/>
-        <p:nvPr/>
-      </p:nvGrpSpPr>
-      <p:grpSpPr>
-        <a:xfrm>
-          <a:off x="0" y="0"/>
-          <a:ext cx="0" cy="0"/>
-          <a:chOff x="0" y="0"/>
-          <a:chExt cx="0" cy="0"/>
-        </a:xfrm>
-      </p:grpSpPr>
-      <p:sp>
-        <p:nvSpPr>
-          <p:cNvPr id="2" name="Title 1"/>
-          <p:cNvSpPr>
-            <a:spLocks noGrp="1"/>
-          </p:cNvSpPr>
-          <p:nvPr>
-            <p:ph type="title"/>
-          </p:nvPr>
-        </p:nvSpPr>
-        <p:spPr/>
-        <p:txBody>
-          <a:bodyPr>
-            <a:normAutofit fontScale="90000"/>
-          </a:bodyPr>
-          <a:lstStyle/>
-          <a:p>
-            <a:r>
-              <a:rPr lang="en-US" b="1" dirty="0" smtClean="0"/>
-              <a:t>Key Features</a:t>
-            </a:r>
-            <a:br>
-              <a:rPr lang="en-US" b="1" dirty="0" smtClean="0"/>
-            </a:br>
-            <a:endParaRPr lang="en-US" dirty="0"/>
-          </a:p>
-        </p:txBody>
-      </p:sp>
-      <p:sp>
-        <p:nvSpPr>
-          <p:cNvPr id="3" name="Content Placeholder 2"/>
-          <p:cNvSpPr>
-            <a:spLocks noGrp="1"/>
-          </p:cNvSpPr>
-          <p:nvPr>
-            <p:ph idx="1"/>
-          </p:nvPr>
-        </p:nvSpPr>
-        <p:spPr/>
-        <p:txBody>
-          <a:bodyPr>
-            <a:normAutofit fontScale="92500" lnSpcReduction="20000"/>
-          </a:bodyPr>
-          <a:lstStyle/>
-          <a:p>
-            <a:pPr>
-              <a:buNone/>
-            </a:pPr>
-            <a:r>
-              <a:rPr lang="en-US" b="1" dirty="0" smtClean="0"/>
-              <a:t>Key Features</a:t>
-            </a:r>
-          </a:p>
-          <a:p>
-            <a:r>
-              <a:rPr lang="en-US" dirty="0" smtClean="0"/>
-              <a:t>High-performance </a:t>
-            </a:r>
-            <a:r>
-              <a:rPr lang="en-US" b="1" dirty="0" smtClean="0"/>
-              <a:t>N-dimensional arrays</a:t>
-            </a:r>
-            <a:endParaRPr lang="en-US" dirty="0" smtClean="0"/>
-          </a:p>
-          <a:p>
-            <a:r>
-              <a:rPr lang="en-US" dirty="0" smtClean="0"/>
-              <a:t>Fast mathematical operations (</a:t>
-            </a:r>
-            <a:r>
-              <a:rPr lang="en-US" dirty="0" err="1" smtClean="0"/>
-              <a:t>vectorization</a:t>
-            </a:r>
-            <a:r>
-              <a:rPr lang="en-US" dirty="0" smtClean="0"/>
-              <a:t>)</a:t>
-            </a:r>
-          </a:p>
-          <a:p>
-            <a:r>
-              <a:rPr lang="en-US" dirty="0" smtClean="0"/>
-              <a:t>Linear algebra, FFT, statistics</a:t>
-            </a:r>
-          </a:p>
-          <a:p>
-            <a:r>
-              <a:rPr lang="en-US" dirty="0" smtClean="0"/>
-              <a:t>Integrates with Pandas, </a:t>
-            </a:r>
-            <a:r>
-              <a:rPr lang="en-US" dirty="0" err="1" smtClean="0"/>
-              <a:t>Sci-Py</a:t>
-            </a:r>
-            <a:r>
-              <a:rPr lang="en-US" dirty="0" smtClean="0"/>
-              <a:t>, ML libraries (</a:t>
-            </a:r>
-            <a:r>
-              <a:rPr lang="en-US" dirty="0" err="1" smtClean="0"/>
-              <a:t>TensorFlow</a:t>
-            </a:r>
-            <a:r>
-              <a:rPr lang="en-US" dirty="0" smtClean="0"/>
-              <a:t>, </a:t>
-            </a:r>
-            <a:r>
-              <a:rPr lang="en-US" dirty="0" err="1" smtClean="0"/>
-              <a:t>PyTorch</a:t>
-            </a:r>
-            <a:r>
-              <a:rPr lang="en-US" dirty="0" smtClean="0"/>
-              <a:t>)</a:t>
-            </a:r>
-          </a:p>
-          <a:p>
-            <a:pPr>
-              <a:buNone/>
-            </a:pPr>
-            <a:r>
-              <a:rPr lang="en-US" b="1" dirty="0" smtClean="0"/>
-              <a:t>Why </a:t>
-            </a:r>
-            <a:r>
-              <a:rPr lang="en-US" b="1" dirty="0" err="1" smtClean="0"/>
-              <a:t>NumPy</a:t>
-            </a:r>
-            <a:r>
-              <a:rPr lang="en-US" b="1" dirty="0" smtClean="0"/>
-              <a:t> is Fast?</a:t>
-            </a:r>
-          </a:p>
-          <a:p>
-            <a:r>
-              <a:rPr lang="en-US" dirty="0" smtClean="0"/>
-              <a:t>Because it is written in </a:t>
-            </a:r>
-            <a:r>
-              <a:rPr lang="en-US" b="1" dirty="0" smtClean="0"/>
-              <a:t>C</a:t>
-            </a:r>
-            <a:r>
-              <a:rPr lang="en-US" dirty="0" smtClean="0"/>
-              <a:t>, uses </a:t>
-            </a:r>
-            <a:r>
-              <a:rPr lang="en-US" b="1" dirty="0" smtClean="0"/>
-              <a:t>contiguous memory blocks</a:t>
-            </a:r>
-            <a:r>
-              <a:rPr lang="en-US" dirty="0" smtClean="0"/>
-              <a:t> and supports </a:t>
-            </a:r>
-            <a:r>
-              <a:rPr lang="en-US" b="1" dirty="0" err="1" smtClean="0"/>
-              <a:t>vectorization</a:t>
-            </a:r>
-            <a:r>
-              <a:rPr lang="en-US" dirty="0" smtClean="0"/>
-              <a:t> (no python loops).</a:t>
-            </a:r>
-          </a:p>
-          <a:p>
-            <a:endParaRPr lang="en-US" dirty="0"/>
-          </a:p>
-        </p:txBody>
-      </p:sp>
-    </p:spTree>
-  </p:cSld>
-  <p:clrMapOvr>
-    <a:masterClrMapping/>
-  </p:clrMapOvr>
-</p:sld>
-</file>
-
 <file path=ppt/slides/slide5.xml><?xml version="1.0" encoding="utf-8"?>
 <p:sld xmlns:a="http://schemas.openxmlformats.org/drawingml/2006/main" xmlns:r="http://schemas.openxmlformats.org/officeDocument/2006/relationships" xmlns:p="http://schemas.openxmlformats.org/presentationml/2006/main">
   <p:cSld>
@@ -3838,12 +4170,8 @@
           <a:lstStyle/>
           <a:p>
             <a:r>
-              <a:rPr lang="en-IN" dirty="0" err="1" smtClean="0"/>
-              <a:t>Numpy</a:t>
-            </a:r>
-            <a:r>
               <a:rPr lang="en-IN" dirty="0" smtClean="0"/>
-              <a:t> array</a:t>
+              <a:t>Demo of numpy speed</a:t>
             </a:r>
             <a:endParaRPr lang="en-US" dirty="0"/>
           </a:p>
@@ -3851,7 +4179,7 @@
       </p:sp>
       <p:pic>
         <p:nvPicPr>
-          <p:cNvPr id="1026" name="Picture 2"/>
+          <p:cNvPr id="4098" name="Picture 2"/>
           <p:cNvPicPr>
             <a:picLocks noGrp="1" noChangeAspect="1" noChangeArrowheads="1"/>
           </p:cNvPicPr>
@@ -3868,8 +4196,8 @@
         </p:blipFill>
         <p:spPr bwMode="auto">
           <a:xfrm>
-            <a:off x="609600" y="1524000"/>
-            <a:ext cx="7620000" cy="4978562"/>
+            <a:off x="533400" y="1371600"/>
+            <a:ext cx="6324600" cy="5288488"/>
           </a:xfrm>
           <a:prstGeom prst="rect">
             <a:avLst/>
@@ -3922,6 +4250,280 @@
         <p:spPr/>
         <p:txBody>
           <a:bodyPr>
+            <a:normAutofit fontScale="90000"/>
+          </a:bodyPr>
+          <a:lstStyle/>
+          <a:p>
+            <a:r>
+              <a:rPr lang="en-US" b="1" dirty="0" smtClean="0"/>
+              <a:t>Key Features</a:t>
+            </a:r>
+            <a:br>
+              <a:rPr lang="en-US" b="1" dirty="0" smtClean="0"/>
+            </a:br>
+            <a:endParaRPr lang="en-US" dirty="0"/>
+          </a:p>
+        </p:txBody>
+      </p:sp>
+      <p:sp>
+        <p:nvSpPr>
+          <p:cNvPr id="3" name="Content Placeholder 2"/>
+          <p:cNvSpPr>
+            <a:spLocks noGrp="1"/>
+          </p:cNvSpPr>
+          <p:nvPr>
+            <p:ph idx="1"/>
+          </p:nvPr>
+        </p:nvSpPr>
+        <p:spPr/>
+        <p:txBody>
+          <a:bodyPr>
+            <a:normAutofit fontScale="92500" lnSpcReduction="20000"/>
+          </a:bodyPr>
+          <a:lstStyle/>
+          <a:p>
+            <a:pPr>
+              <a:buNone/>
+            </a:pPr>
+            <a:r>
+              <a:rPr lang="en-US" b="1" dirty="0" smtClean="0"/>
+              <a:t>Key Features</a:t>
+            </a:r>
+          </a:p>
+          <a:p>
+            <a:r>
+              <a:rPr lang="en-US" dirty="0" smtClean="0"/>
+              <a:t>High-performance </a:t>
+            </a:r>
+            <a:r>
+              <a:rPr lang="en-US" b="1" dirty="0" smtClean="0"/>
+              <a:t>N-dimensional arrays</a:t>
+            </a:r>
+            <a:endParaRPr lang="en-US" dirty="0" smtClean="0"/>
+          </a:p>
+          <a:p>
+            <a:r>
+              <a:rPr lang="en-US" dirty="0" smtClean="0"/>
+              <a:t>Fast mathematical operations (</a:t>
+            </a:r>
+            <a:r>
+              <a:rPr lang="en-US" dirty="0" err="1" smtClean="0"/>
+              <a:t>vectorization</a:t>
+            </a:r>
+            <a:r>
+              <a:rPr lang="en-US" dirty="0" smtClean="0"/>
+              <a:t>)</a:t>
+            </a:r>
+          </a:p>
+          <a:p>
+            <a:r>
+              <a:rPr lang="en-US" dirty="0" smtClean="0"/>
+              <a:t>Linear algebra, FFT, statistics</a:t>
+            </a:r>
+          </a:p>
+          <a:p>
+            <a:r>
+              <a:rPr lang="en-US" dirty="0" smtClean="0"/>
+              <a:t>Integrates with Pandas, </a:t>
+            </a:r>
+            <a:r>
+              <a:rPr lang="en-US" dirty="0" err="1" smtClean="0"/>
+              <a:t>Sci-Py</a:t>
+            </a:r>
+            <a:r>
+              <a:rPr lang="en-US" dirty="0" smtClean="0"/>
+              <a:t>, ML libraries (</a:t>
+            </a:r>
+            <a:r>
+              <a:rPr lang="en-US" dirty="0" err="1" smtClean="0"/>
+              <a:t>TensorFlow</a:t>
+            </a:r>
+            <a:r>
+              <a:rPr lang="en-US" dirty="0" smtClean="0"/>
+              <a:t>, </a:t>
+            </a:r>
+            <a:r>
+              <a:rPr lang="en-US" dirty="0" err="1" smtClean="0"/>
+              <a:t>PyTorch</a:t>
+            </a:r>
+            <a:r>
+              <a:rPr lang="en-US" dirty="0" smtClean="0"/>
+              <a:t>)</a:t>
+            </a:r>
+          </a:p>
+          <a:p>
+            <a:pPr>
+              <a:buNone/>
+            </a:pPr>
+            <a:r>
+              <a:rPr lang="en-US" b="1" dirty="0" smtClean="0"/>
+              <a:t>Why </a:t>
+            </a:r>
+            <a:r>
+              <a:rPr lang="en-US" b="1" dirty="0" err="1" smtClean="0"/>
+              <a:t>NumPy</a:t>
+            </a:r>
+            <a:r>
+              <a:rPr lang="en-US" b="1" dirty="0" smtClean="0"/>
+              <a:t> is Fast?</a:t>
+            </a:r>
+          </a:p>
+          <a:p>
+            <a:r>
+              <a:rPr lang="en-US" dirty="0" smtClean="0"/>
+              <a:t>Because it is written in </a:t>
+            </a:r>
+            <a:r>
+              <a:rPr lang="en-US" b="1" dirty="0" smtClean="0"/>
+              <a:t>C</a:t>
+            </a:r>
+            <a:r>
+              <a:rPr lang="en-US" dirty="0" smtClean="0"/>
+              <a:t>, uses </a:t>
+            </a:r>
+            <a:r>
+              <a:rPr lang="en-US" b="1" dirty="0" smtClean="0"/>
+              <a:t>contiguous memory blocks</a:t>
+            </a:r>
+            <a:r>
+              <a:rPr lang="en-US" dirty="0" smtClean="0"/>
+              <a:t> and supports </a:t>
+            </a:r>
+            <a:r>
+              <a:rPr lang="en-US" b="1" dirty="0" err="1" smtClean="0"/>
+              <a:t>vectorization</a:t>
+            </a:r>
+            <a:r>
+              <a:rPr lang="en-US" dirty="0" smtClean="0"/>
+              <a:t> (no python loops).</a:t>
+            </a:r>
+          </a:p>
+          <a:p>
+            <a:endParaRPr lang="en-US" dirty="0"/>
+          </a:p>
+        </p:txBody>
+      </p:sp>
+    </p:spTree>
+  </p:cSld>
+  <p:clrMapOvr>
+    <a:masterClrMapping/>
+  </p:clrMapOvr>
+</p:sld>
+</file>
+
+<file path=ppt/slides/slide7.xml><?xml version="1.0" encoding="utf-8"?>
+<p:sld xmlns:a="http://schemas.openxmlformats.org/drawingml/2006/main" xmlns:r="http://schemas.openxmlformats.org/officeDocument/2006/relationships" xmlns:p="http://schemas.openxmlformats.org/presentationml/2006/main">
+  <p:cSld>
+    <p:spTree>
+      <p:nvGrpSpPr>
+        <p:cNvPr id="1" name=""/>
+        <p:cNvGrpSpPr/>
+        <p:nvPr/>
+      </p:nvGrpSpPr>
+      <p:grpSpPr>
+        <a:xfrm>
+          <a:off x="0" y="0"/>
+          <a:ext cx="0" cy="0"/>
+          <a:chOff x="0" y="0"/>
+          <a:chExt cx="0" cy="0"/>
+        </a:xfrm>
+      </p:grpSpPr>
+      <p:sp>
+        <p:nvSpPr>
+          <p:cNvPr id="2" name="Title 1"/>
+          <p:cNvSpPr>
+            <a:spLocks noGrp="1"/>
+          </p:cNvSpPr>
+          <p:nvPr>
+            <p:ph type="title"/>
+          </p:nvPr>
+        </p:nvSpPr>
+        <p:spPr/>
+        <p:txBody>
+          <a:bodyPr/>
+          <a:lstStyle/>
+          <a:p>
+            <a:r>
+              <a:rPr lang="en-IN" dirty="0" smtClean="0"/>
+              <a:t>Numpy array</a:t>
+            </a:r>
+            <a:endParaRPr lang="en-US" dirty="0"/>
+          </a:p>
+        </p:txBody>
+      </p:sp>
+      <p:pic>
+        <p:nvPicPr>
+          <p:cNvPr id="1026" name="Picture 2"/>
+          <p:cNvPicPr>
+            <a:picLocks noGrp="1" noChangeAspect="1" noChangeArrowheads="1"/>
+          </p:cNvPicPr>
+          <p:nvPr>
+            <p:ph idx="1"/>
+          </p:nvPr>
+        </p:nvPicPr>
+        <p:blipFill>
+          <a:blip r:embed="rId2"/>
+          <a:srcRect/>
+          <a:stretch>
+            <a:fillRect/>
+          </a:stretch>
+        </p:blipFill>
+        <p:spPr bwMode="auto">
+          <a:xfrm>
+            <a:off x="609600" y="1524000"/>
+            <a:ext cx="7620000" cy="4978562"/>
+          </a:xfrm>
+          <a:prstGeom prst="rect">
+            <a:avLst/>
+          </a:prstGeom>
+          <a:noFill/>
+          <a:ln w="9525">
+            <a:noFill/>
+            <a:miter lim="800000"/>
+            <a:headEnd/>
+            <a:tailEnd/>
+          </a:ln>
+          <a:effectLst/>
+        </p:spPr>
+      </p:pic>
+    </p:spTree>
+  </p:cSld>
+  <p:clrMapOvr>
+    <a:masterClrMapping/>
+  </p:clrMapOvr>
+</p:sld>
+</file>
+
+<file path=ppt/slides/slide8.xml><?xml version="1.0" encoding="utf-8"?>
+<p:sld xmlns:a="http://schemas.openxmlformats.org/drawingml/2006/main" xmlns:r="http://schemas.openxmlformats.org/officeDocument/2006/relationships" xmlns:p="http://schemas.openxmlformats.org/presentationml/2006/main">
+  <p:cSld>
+    <p:spTree>
+      <p:nvGrpSpPr>
+        <p:cNvPr id="1" name=""/>
+        <p:cNvGrpSpPr/>
+        <p:nvPr/>
+      </p:nvGrpSpPr>
+      <p:grpSpPr>
+        <a:xfrm>
+          <a:off x="0" y="0"/>
+          <a:ext cx="0" cy="0"/>
+          <a:chOff x="0" y="0"/>
+          <a:chExt cx="0" cy="0"/>
+        </a:xfrm>
+      </p:grpSpPr>
+      <p:sp>
+        <p:nvSpPr>
+          <p:cNvPr id="2" name="Title 1"/>
+          <p:cNvSpPr>
+            <a:spLocks noGrp="1"/>
+          </p:cNvSpPr>
+          <p:nvPr>
+            <p:ph type="title"/>
+          </p:nvPr>
+        </p:nvSpPr>
+        <p:spPr/>
+        <p:txBody>
+          <a:bodyPr>
             <a:normAutofit/>
           </a:bodyPr>
           <a:lstStyle/>
@@ -3981,132 +4583,6 @@
 </p:sld>
 </file>
 
-<file path=ppt/slides/slide7.xml><?xml version="1.0" encoding="utf-8"?>
-<p:sld xmlns:a="http://schemas.openxmlformats.org/drawingml/2006/main" xmlns:r="http://schemas.openxmlformats.org/officeDocument/2006/relationships" xmlns:p="http://schemas.openxmlformats.org/presentationml/2006/main">
-  <p:cSld>
-    <p:spTree>
-      <p:nvGrpSpPr>
-        <p:cNvPr id="1" name=""/>
-        <p:cNvGrpSpPr/>
-        <p:nvPr/>
-      </p:nvGrpSpPr>
-      <p:grpSpPr>
-        <a:xfrm>
-          <a:off x="0" y="0"/>
-          <a:ext cx="0" cy="0"/>
-          <a:chOff x="0" y="0"/>
-          <a:chExt cx="0" cy="0"/>
-        </a:xfrm>
-      </p:grpSpPr>
-      <p:sp>
-        <p:nvSpPr>
-          <p:cNvPr id="2" name="Title 1"/>
-          <p:cNvSpPr>
-            <a:spLocks noGrp="1"/>
-          </p:cNvSpPr>
-          <p:nvPr>
-            <p:ph type="title"/>
-          </p:nvPr>
-        </p:nvSpPr>
-        <p:spPr/>
-        <p:txBody>
-          <a:bodyPr/>
-          <a:lstStyle/>
-          <a:p>
-            <a:endParaRPr lang="en-US"/>
-          </a:p>
-        </p:txBody>
-      </p:sp>
-      <p:sp>
-        <p:nvSpPr>
-          <p:cNvPr id="3" name="Content Placeholder 2"/>
-          <p:cNvSpPr>
-            <a:spLocks noGrp="1"/>
-          </p:cNvSpPr>
-          <p:nvPr>
-            <p:ph idx="1"/>
-          </p:nvPr>
-        </p:nvSpPr>
-        <p:spPr/>
-        <p:txBody>
-          <a:bodyPr/>
-          <a:lstStyle/>
-          <a:p>
-            <a:endParaRPr lang="en-US"/>
-          </a:p>
-        </p:txBody>
-      </p:sp>
-    </p:spTree>
-  </p:cSld>
-  <p:clrMapOvr>
-    <a:masterClrMapping/>
-  </p:clrMapOvr>
-</p:sld>
-</file>
-
-<file path=ppt/slides/slide8.xml><?xml version="1.0" encoding="utf-8"?>
-<p:sld xmlns:a="http://schemas.openxmlformats.org/drawingml/2006/main" xmlns:r="http://schemas.openxmlformats.org/officeDocument/2006/relationships" xmlns:p="http://schemas.openxmlformats.org/presentationml/2006/main">
-  <p:cSld>
-    <p:spTree>
-      <p:nvGrpSpPr>
-        <p:cNvPr id="1" name=""/>
-        <p:cNvGrpSpPr/>
-        <p:nvPr/>
-      </p:nvGrpSpPr>
-      <p:grpSpPr>
-        <a:xfrm>
-          <a:off x="0" y="0"/>
-          <a:ext cx="0" cy="0"/>
-          <a:chOff x="0" y="0"/>
-          <a:chExt cx="0" cy="0"/>
-        </a:xfrm>
-      </p:grpSpPr>
-      <p:sp>
-        <p:nvSpPr>
-          <p:cNvPr id="2" name="Title 1"/>
-          <p:cNvSpPr>
-            <a:spLocks noGrp="1"/>
-          </p:cNvSpPr>
-          <p:nvPr>
-            <p:ph type="title"/>
-          </p:nvPr>
-        </p:nvSpPr>
-        <p:spPr/>
-        <p:txBody>
-          <a:bodyPr/>
-          <a:lstStyle/>
-          <a:p>
-            <a:endParaRPr lang="en-US"/>
-          </a:p>
-        </p:txBody>
-      </p:sp>
-      <p:sp>
-        <p:nvSpPr>
-          <p:cNvPr id="3" name="Content Placeholder 2"/>
-          <p:cNvSpPr>
-            <a:spLocks noGrp="1"/>
-          </p:cNvSpPr>
-          <p:nvPr>
-            <p:ph idx="1"/>
-          </p:nvPr>
-        </p:nvSpPr>
-        <p:spPr/>
-        <p:txBody>
-          <a:bodyPr/>
-          <a:lstStyle/>
-          <a:p>
-            <a:endParaRPr lang="en-US"/>
-          </a:p>
-        </p:txBody>
-      </p:sp>
-    </p:spTree>
-  </p:cSld>
-  <p:clrMapOvr>
-    <a:masterClrMapping/>
-  </p:clrMapOvr>
-</p:sld>
-</file>
-
 <file path=ppt/slides/slide9.xml><?xml version="1.0" encoding="utf-8"?>
 <p:sld xmlns:a="http://schemas.openxmlformats.org/drawingml/2006/main" xmlns:r="http://schemas.openxmlformats.org/officeDocument/2006/relationships" xmlns:p="http://schemas.openxmlformats.org/presentationml/2006/main">
   <p:cSld>
@@ -4126,39 +4602,66 @@
       </p:grpSpPr>
       <p:sp>
         <p:nvSpPr>
-          <p:cNvPr id="2" name="Title 1"/>
-          <p:cNvSpPr>
-            <a:spLocks noGrp="1"/>
-          </p:cNvSpPr>
-          <p:nvPr>
-            <p:ph type="title"/>
-          </p:nvPr>
-        </p:nvSpPr>
-        <p:spPr/>
-        <p:txBody>
-          <a:bodyPr/>
-          <a:lstStyle/>
-          <a:p>
-            <a:endParaRPr lang="en-US"/>
-          </a:p>
-        </p:txBody>
-      </p:sp>
-      <p:sp>
-        <p:nvSpPr>
-          <p:cNvPr id="3" name="Content Placeholder 2"/>
-          <p:cNvSpPr>
-            <a:spLocks noGrp="1"/>
-          </p:cNvSpPr>
-          <p:nvPr>
-            <p:ph idx="1"/>
-          </p:nvPr>
-        </p:nvSpPr>
-        <p:spPr/>
-        <p:txBody>
-          <a:bodyPr/>
-          <a:lstStyle/>
-          <a:p>
-            <a:endParaRPr lang="en-US"/>
+          <p:cNvPr id="4" name="Title 3"/>
+          <p:cNvSpPr>
+            <a:spLocks noGrp="1"/>
+          </p:cNvSpPr>
+          <p:nvPr>
+            <p:ph type="ctrTitle"/>
+          </p:nvPr>
+        </p:nvSpPr>
+        <p:spPr/>
+        <p:txBody>
+          <a:bodyPr/>
+          <a:lstStyle/>
+          <a:p>
+            <a:r>
+              <a:rPr lang="en-IN" dirty="0" smtClean="0"/>
+              <a:t>Chapter 2 </a:t>
+            </a:r>
+            <a:endParaRPr lang="en-US" dirty="0"/>
+          </a:p>
+        </p:txBody>
+      </p:sp>
+      <p:sp>
+        <p:nvSpPr>
+          <p:cNvPr id="5" name="Subtitle 4"/>
+          <p:cNvSpPr>
+            <a:spLocks noGrp="1"/>
+          </p:cNvSpPr>
+          <p:nvPr>
+            <p:ph type="subTitle" idx="1"/>
+          </p:nvPr>
+        </p:nvSpPr>
+        <p:spPr/>
+        <p:txBody>
+          <a:bodyPr/>
+          <a:lstStyle/>
+          <a:p>
+            <a:r>
+              <a:rPr lang="en-US" dirty="0" smtClean="0"/>
+              <a:t>Creating </a:t>
+            </a:r>
+            <a:r>
+              <a:rPr lang="en-US" dirty="0" smtClean="0"/>
+              <a:t>Arrays</a:t>
+            </a:r>
+          </a:p>
+          <a:p>
+            <a:r>
+              <a:rPr lang="en-US" dirty="0" smtClean="0"/>
+              <a:t>Array Attributes</a:t>
+            </a:r>
+            <a:endParaRPr lang="en-US" dirty="0" smtClean="0"/>
+          </a:p>
+          <a:p>
+            <a:r>
+              <a:rPr lang="en-US" b="1" dirty="0" smtClean="0"/>
+              <a:t>Important Array-Creation Functions:</a:t>
+            </a:r>
+          </a:p>
+          <a:p>
+            <a:endParaRPr lang="en-US" dirty="0"/>
           </a:p>
         </p:txBody>
       </p:sp>
